--- a/edvertisements-figure.pptx
+++ b/edvertisements-figure.pptx
@@ -6,6 +6,10 @@
   </p:sldMasterIdLst>
   <p:sldIdLst>
     <p:sldId id="256" r:id="rId2"/>
+    <p:sldId id="257" r:id="rId3"/>
+    <p:sldId id="258" r:id="rId4"/>
+    <p:sldId id="259" r:id="rId5"/>
+    <p:sldId id="260" r:id="rId6"/>
   </p:sldIdLst>
   <p:sldSz cx="9144000" cy="6858000" type="screen4x3"/>
   <p:notesSz cx="6858000" cy="9144000"/>
@@ -288,7 +292,7 @@
           <a:p>
             <a:fld id="{BC58FFE9-72BF-B640-9169-DE1F28DB7493}" type="datetimeFigureOut">
               <a:rPr lang="en-US" smtClean="0"/>
-              <a:t>15/9/11</a:t>
+              <a:t>15/9/16</a:t>
             </a:fld>
             <a:endParaRPr lang="en-US"/>
           </a:p>
@@ -458,7 +462,7 @@
           <a:p>
             <a:fld id="{BC58FFE9-72BF-B640-9169-DE1F28DB7493}" type="datetimeFigureOut">
               <a:rPr lang="en-US" smtClean="0"/>
-              <a:t>15/9/11</a:t>
+              <a:t>15/9/16</a:t>
             </a:fld>
             <a:endParaRPr lang="en-US"/>
           </a:p>
@@ -638,7 +642,7 @@
           <a:p>
             <a:fld id="{BC58FFE9-72BF-B640-9169-DE1F28DB7493}" type="datetimeFigureOut">
               <a:rPr lang="en-US" smtClean="0"/>
-              <a:t>15/9/11</a:t>
+              <a:t>15/9/16</a:t>
             </a:fld>
             <a:endParaRPr lang="en-US"/>
           </a:p>
@@ -808,7 +812,7 @@
           <a:p>
             <a:fld id="{BC58FFE9-72BF-B640-9169-DE1F28DB7493}" type="datetimeFigureOut">
               <a:rPr lang="en-US" smtClean="0"/>
-              <a:t>15/9/11</a:t>
+              <a:t>15/9/16</a:t>
             </a:fld>
             <a:endParaRPr lang="en-US"/>
           </a:p>
@@ -1054,7 +1058,7 @@
           <a:p>
             <a:fld id="{BC58FFE9-72BF-B640-9169-DE1F28DB7493}" type="datetimeFigureOut">
               <a:rPr lang="en-US" smtClean="0"/>
-              <a:t>15/9/11</a:t>
+              <a:t>15/9/16</a:t>
             </a:fld>
             <a:endParaRPr lang="en-US"/>
           </a:p>
@@ -1342,7 +1346,7 @@
           <a:p>
             <a:fld id="{BC58FFE9-72BF-B640-9169-DE1F28DB7493}" type="datetimeFigureOut">
               <a:rPr lang="en-US" smtClean="0"/>
-              <a:t>15/9/11</a:t>
+              <a:t>15/9/16</a:t>
             </a:fld>
             <a:endParaRPr lang="en-US"/>
           </a:p>
@@ -1764,7 +1768,7 @@
           <a:p>
             <a:fld id="{BC58FFE9-72BF-B640-9169-DE1F28DB7493}" type="datetimeFigureOut">
               <a:rPr lang="en-US" smtClean="0"/>
-              <a:t>15/9/11</a:t>
+              <a:t>15/9/16</a:t>
             </a:fld>
             <a:endParaRPr lang="en-US"/>
           </a:p>
@@ -1882,7 +1886,7 @@
           <a:p>
             <a:fld id="{BC58FFE9-72BF-B640-9169-DE1F28DB7493}" type="datetimeFigureOut">
               <a:rPr lang="en-US" smtClean="0"/>
-              <a:t>15/9/11</a:t>
+              <a:t>15/9/16</a:t>
             </a:fld>
             <a:endParaRPr lang="en-US"/>
           </a:p>
@@ -1977,7 +1981,7 @@
           <a:p>
             <a:fld id="{BC58FFE9-72BF-B640-9169-DE1F28DB7493}" type="datetimeFigureOut">
               <a:rPr lang="en-US" smtClean="0"/>
-              <a:t>15/9/11</a:t>
+              <a:t>15/9/16</a:t>
             </a:fld>
             <a:endParaRPr lang="en-US"/>
           </a:p>
@@ -2254,7 +2258,7 @@
           <a:p>
             <a:fld id="{BC58FFE9-72BF-B640-9169-DE1F28DB7493}" type="datetimeFigureOut">
               <a:rPr lang="en-US" smtClean="0"/>
-              <a:t>15/9/11</a:t>
+              <a:t>15/9/16</a:t>
             </a:fld>
             <a:endParaRPr lang="en-US"/>
           </a:p>
@@ -2507,7 +2511,7 @@
           <a:p>
             <a:fld id="{BC58FFE9-72BF-B640-9169-DE1F28DB7493}" type="datetimeFigureOut">
               <a:rPr lang="en-US" smtClean="0"/>
-              <a:t>15/9/11</a:t>
+              <a:t>15/9/16</a:t>
             </a:fld>
             <a:endParaRPr lang="en-US"/>
           </a:p>
@@ -2720,7 +2724,7 @@
           <a:p>
             <a:fld id="{BC58FFE9-72BF-B640-9169-DE1F28DB7493}" type="datetimeFigureOut">
               <a:rPr lang="en-US" smtClean="0"/>
-              <a:t>15/9/11</a:t>
+              <a:t>15/9/16</a:t>
             </a:fld>
             <a:endParaRPr lang="en-US"/>
           </a:p>
@@ -3281,6 +3285,915 @@
     <p:extLst>
       <p:ext uri="{BB962C8B-B14F-4D97-AF65-F5344CB8AC3E}">
         <p14:creationId xmlns:p14="http://schemas.microsoft.com/office/powerpoint/2010/main" val="204432947"/>
+      </p:ext>
+    </p:extLst>
+  </p:cSld>
+  <p:clrMapOvr>
+    <a:masterClrMapping/>
+  </p:clrMapOvr>
+  <p:timing>
+    <p:tnLst>
+      <p:par>
+        <p:cTn xmlns:p14="http://schemas.microsoft.com/office/powerpoint/2010/main" id="1" dur="indefinite" restart="never" nodeType="tmRoot"/>
+      </p:par>
+    </p:tnLst>
+  </p:timing>
+</p:sld>
+</file>
+
+<file path=ppt/slides/slide2.xml><?xml version="1.0" encoding="utf-8"?>
+<p:sld xmlns:a="http://schemas.openxmlformats.org/drawingml/2006/main" xmlns:r="http://schemas.openxmlformats.org/officeDocument/2006/relationships" xmlns:p="http://schemas.openxmlformats.org/presentationml/2006/main">
+  <p:cSld>
+    <p:spTree>
+      <p:nvGrpSpPr>
+        <p:cNvPr id="1" name=""/>
+        <p:cNvGrpSpPr/>
+        <p:nvPr/>
+      </p:nvGrpSpPr>
+      <p:grpSpPr>
+        <a:xfrm>
+          <a:off x="0" y="0"/>
+          <a:ext cx="0" cy="0"/>
+          <a:chOff x="0" y="0"/>
+          <a:chExt cx="0" cy="0"/>
+        </a:xfrm>
+      </p:grpSpPr>
+      <p:pic>
+        <p:nvPicPr>
+          <p:cNvPr id="2" name="Picture 1" descr="屏幕快照 2015-09-16 01.12.41.png"/>
+          <p:cNvPicPr>
+            <a:picLocks noChangeAspect="1"/>
+          </p:cNvPicPr>
+          <p:nvPr/>
+        </p:nvPicPr>
+        <p:blipFill>
+          <a:blip r:embed="rId2">
+            <a:extLst>
+              <a:ext uri="{28A0092B-C50C-407E-A947-70E740481C1C}">
+                <a14:useLocalDpi xmlns:a14="http://schemas.microsoft.com/office/drawing/2010/main" val="0"/>
+              </a:ext>
+            </a:extLst>
+          </a:blip>
+          <a:stretch>
+            <a:fillRect/>
+          </a:stretch>
+        </p:blipFill>
+        <p:spPr>
+          <a:xfrm>
+            <a:off x="2238266" y="2988772"/>
+            <a:ext cx="4866320" cy="2031449"/>
+          </a:xfrm>
+          <a:prstGeom prst="rect">
+            <a:avLst/>
+          </a:prstGeom>
+        </p:spPr>
+      </p:pic>
+      <p:pic>
+        <p:nvPicPr>
+          <p:cNvPr id="3" name="Picture 2" descr="屏幕快照 2015-09-16 01.12.52.png"/>
+          <p:cNvPicPr>
+            <a:picLocks noChangeAspect="1"/>
+          </p:cNvPicPr>
+          <p:nvPr/>
+        </p:nvPicPr>
+        <p:blipFill>
+          <a:blip r:embed="rId3">
+            <a:extLst>
+              <a:ext uri="{28A0092B-C50C-407E-A947-70E740481C1C}">
+                <a14:useLocalDpi xmlns:a14="http://schemas.microsoft.com/office/drawing/2010/main" val="0"/>
+              </a:ext>
+            </a:extLst>
+          </a:blip>
+          <a:stretch>
+            <a:fillRect/>
+          </a:stretch>
+        </p:blipFill>
+        <p:spPr>
+          <a:xfrm>
+            <a:off x="2243627" y="505446"/>
+            <a:ext cx="4867438" cy="2289824"/>
+          </a:xfrm>
+          <a:prstGeom prst="rect">
+            <a:avLst/>
+          </a:prstGeom>
+        </p:spPr>
+      </p:pic>
+      <p:sp>
+        <p:nvSpPr>
+          <p:cNvPr id="7" name="Rectangle 6"/>
+          <p:cNvSpPr/>
+          <p:nvPr/>
+        </p:nvSpPr>
+        <p:spPr>
+          <a:xfrm>
+            <a:off x="2256587" y="102060"/>
+            <a:ext cx="4837854" cy="396908"/>
+          </a:xfrm>
+          <a:prstGeom prst="rect">
+            <a:avLst/>
+          </a:prstGeom>
+        </p:spPr>
+        <p:style>
+          <a:lnRef idx="2">
+            <a:schemeClr val="dk1">
+              <a:shade val="50000"/>
+            </a:schemeClr>
+          </a:lnRef>
+          <a:fillRef idx="1">
+            <a:schemeClr val="dk1"/>
+          </a:fillRef>
+          <a:effectRef idx="0">
+            <a:schemeClr val="dk1"/>
+          </a:effectRef>
+          <a:fontRef idx="minor">
+            <a:schemeClr val="lt1"/>
+          </a:fontRef>
+        </p:style>
+        <p:txBody>
+          <a:bodyPr rtlCol="0" anchor="ctr"/>
+          <a:lstStyle/>
+          <a:p>
+            <a:r>
+              <a:rPr lang="en-US" sz="1600" dirty="0" smtClean="0"/>
+              <a:t>Regular Advertisements (without our extension)</a:t>
+            </a:r>
+            <a:endParaRPr lang="en-US" sz="1600" dirty="0"/>
+          </a:p>
+        </p:txBody>
+      </p:sp>
+      <p:sp>
+        <p:nvSpPr>
+          <p:cNvPr id="8" name="Rectangle 7"/>
+          <p:cNvSpPr/>
+          <p:nvPr/>
+        </p:nvSpPr>
+        <p:spPr>
+          <a:xfrm>
+            <a:off x="2256586" y="2628535"/>
+            <a:ext cx="4837855" cy="396908"/>
+          </a:xfrm>
+          <a:prstGeom prst="rect">
+            <a:avLst/>
+          </a:prstGeom>
+        </p:spPr>
+        <p:style>
+          <a:lnRef idx="2">
+            <a:schemeClr val="dk1">
+              <a:shade val="50000"/>
+            </a:schemeClr>
+          </a:lnRef>
+          <a:fillRef idx="1">
+            <a:schemeClr val="dk1"/>
+          </a:fillRef>
+          <a:effectRef idx="0">
+            <a:schemeClr val="dk1"/>
+          </a:effectRef>
+          <a:fontRef idx="minor">
+            <a:schemeClr val="lt1"/>
+          </a:fontRef>
+        </p:style>
+        <p:txBody>
+          <a:bodyPr rtlCol="0" anchor="ctr"/>
+          <a:lstStyle/>
+          <a:p>
+            <a:r>
+              <a:rPr lang="en-US" sz="1600" dirty="0" smtClean="0"/>
+              <a:t>Advertisements replaced with Edvertisements</a:t>
+            </a:r>
+            <a:endParaRPr lang="en-US" sz="1600" dirty="0"/>
+          </a:p>
+        </p:txBody>
+      </p:sp>
+      <p:sp>
+        <p:nvSpPr>
+          <p:cNvPr id="9" name="Down Arrow 8"/>
+          <p:cNvSpPr/>
+          <p:nvPr/>
+        </p:nvSpPr>
+        <p:spPr>
+          <a:xfrm>
+            <a:off x="6191447" y="2594515"/>
+            <a:ext cx="612340" cy="1023016"/>
+          </a:xfrm>
+          <a:prstGeom prst="downArrow">
+            <a:avLst/>
+          </a:prstGeom>
+        </p:spPr>
+        <p:style>
+          <a:lnRef idx="1">
+            <a:schemeClr val="accent1"/>
+          </a:lnRef>
+          <a:fillRef idx="3">
+            <a:schemeClr val="accent1"/>
+          </a:fillRef>
+          <a:effectRef idx="2">
+            <a:schemeClr val="accent1"/>
+          </a:effectRef>
+          <a:fontRef idx="minor">
+            <a:schemeClr val="lt1"/>
+          </a:fontRef>
+        </p:style>
+        <p:txBody>
+          <a:bodyPr rtlCol="0" anchor="ctr"/>
+          <a:lstStyle/>
+          <a:p>
+            <a:pPr algn="ctr"/>
+            <a:endParaRPr lang="en-US"/>
+          </a:p>
+        </p:txBody>
+      </p:sp>
+    </p:spTree>
+    <p:extLst>
+      <p:ext uri="{BB962C8B-B14F-4D97-AF65-F5344CB8AC3E}">
+        <p14:creationId xmlns:p14="http://schemas.microsoft.com/office/powerpoint/2010/main" val="2052675047"/>
+      </p:ext>
+    </p:extLst>
+  </p:cSld>
+  <p:clrMapOvr>
+    <a:masterClrMapping/>
+  </p:clrMapOvr>
+  <p:timing>
+    <p:tnLst>
+      <p:par>
+        <p:cTn xmlns:p14="http://schemas.microsoft.com/office/powerpoint/2010/main" id="1" dur="indefinite" restart="never" nodeType="tmRoot"/>
+      </p:par>
+    </p:tnLst>
+  </p:timing>
+</p:sld>
+</file>
+
+<file path=ppt/slides/slide3.xml><?xml version="1.0" encoding="utf-8"?>
+<p:sld xmlns:a="http://schemas.openxmlformats.org/drawingml/2006/main" xmlns:r="http://schemas.openxmlformats.org/officeDocument/2006/relationships" xmlns:p="http://schemas.openxmlformats.org/presentationml/2006/main">
+  <p:cSld>
+    <p:spTree>
+      <p:nvGrpSpPr>
+        <p:cNvPr id="1" name=""/>
+        <p:cNvGrpSpPr/>
+        <p:nvPr/>
+      </p:nvGrpSpPr>
+      <p:grpSpPr>
+        <a:xfrm>
+          <a:off x="0" y="0"/>
+          <a:ext cx="0" cy="0"/>
+          <a:chOff x="0" y="0"/>
+          <a:chExt cx="0" cy="0"/>
+        </a:xfrm>
+      </p:grpSpPr>
+      <p:pic>
+        <p:nvPicPr>
+          <p:cNvPr id="5" name="Picture 4" descr="屏幕快照 2015-09-16 01.22.06.png"/>
+          <p:cNvPicPr>
+            <a:picLocks noChangeAspect="1"/>
+          </p:cNvPicPr>
+          <p:nvPr/>
+        </p:nvPicPr>
+        <p:blipFill>
+          <a:blip r:embed="rId2">
+            <a:extLst>
+              <a:ext uri="{28A0092B-C50C-407E-A947-70E740481C1C}">
+                <a14:useLocalDpi xmlns:a14="http://schemas.microsoft.com/office/drawing/2010/main" val="0"/>
+              </a:ext>
+            </a:extLst>
+          </a:blip>
+          <a:stretch>
+            <a:fillRect/>
+          </a:stretch>
+        </p:blipFill>
+        <p:spPr>
+          <a:xfrm>
+            <a:off x="2242921" y="2934530"/>
+            <a:ext cx="4890521" cy="2132199"/>
+          </a:xfrm>
+          <a:prstGeom prst="rect">
+            <a:avLst/>
+          </a:prstGeom>
+        </p:spPr>
+      </p:pic>
+      <p:sp>
+        <p:nvSpPr>
+          <p:cNvPr id="7" name="Rectangle 6"/>
+          <p:cNvSpPr/>
+          <p:nvPr/>
+        </p:nvSpPr>
+        <p:spPr>
+          <a:xfrm>
+            <a:off x="2256587" y="102060"/>
+            <a:ext cx="4876856" cy="396908"/>
+          </a:xfrm>
+          <a:prstGeom prst="rect">
+            <a:avLst/>
+          </a:prstGeom>
+        </p:spPr>
+        <p:style>
+          <a:lnRef idx="2">
+            <a:schemeClr val="dk1">
+              <a:shade val="50000"/>
+            </a:schemeClr>
+          </a:lnRef>
+          <a:fillRef idx="1">
+            <a:schemeClr val="dk1"/>
+          </a:fillRef>
+          <a:effectRef idx="0">
+            <a:schemeClr val="dk1"/>
+          </a:effectRef>
+          <a:fontRef idx="minor">
+            <a:schemeClr val="lt1"/>
+          </a:fontRef>
+        </p:style>
+        <p:txBody>
+          <a:bodyPr rtlCol="0" anchor="ctr"/>
+          <a:lstStyle/>
+          <a:p>
+            <a:r>
+              <a:rPr lang="en-US" sz="1600" dirty="0" smtClean="0"/>
+              <a:t>Regular Advertisements (without our extension)</a:t>
+            </a:r>
+            <a:endParaRPr lang="en-US" sz="1600" dirty="0"/>
+          </a:p>
+        </p:txBody>
+      </p:sp>
+      <p:sp>
+        <p:nvSpPr>
+          <p:cNvPr id="8" name="Rectangle 7"/>
+          <p:cNvSpPr/>
+          <p:nvPr/>
+        </p:nvSpPr>
+        <p:spPr>
+          <a:xfrm>
+            <a:off x="2256586" y="2558442"/>
+            <a:ext cx="4876857" cy="396908"/>
+          </a:xfrm>
+          <a:prstGeom prst="rect">
+            <a:avLst/>
+          </a:prstGeom>
+        </p:spPr>
+        <p:style>
+          <a:lnRef idx="2">
+            <a:schemeClr val="dk1">
+              <a:shade val="50000"/>
+            </a:schemeClr>
+          </a:lnRef>
+          <a:fillRef idx="1">
+            <a:schemeClr val="dk1"/>
+          </a:fillRef>
+          <a:effectRef idx="0">
+            <a:schemeClr val="dk1"/>
+          </a:effectRef>
+          <a:fontRef idx="minor">
+            <a:schemeClr val="lt1"/>
+          </a:fontRef>
+        </p:style>
+        <p:txBody>
+          <a:bodyPr rtlCol="0" anchor="ctr"/>
+          <a:lstStyle/>
+          <a:p>
+            <a:r>
+              <a:rPr lang="en-US" sz="1600" dirty="0" smtClean="0"/>
+              <a:t>Advertisements replaced with Edvertisements</a:t>
+            </a:r>
+            <a:endParaRPr lang="en-US" sz="1600" dirty="0"/>
+          </a:p>
+        </p:txBody>
+      </p:sp>
+      <p:pic>
+        <p:nvPicPr>
+          <p:cNvPr id="4" name="Picture 3" descr="屏幕快照 2015-09-16 01.21.33.png"/>
+          <p:cNvPicPr>
+            <a:picLocks noChangeAspect="1"/>
+          </p:cNvPicPr>
+          <p:nvPr/>
+        </p:nvPicPr>
+        <p:blipFill>
+          <a:blip r:embed="rId3">
+            <a:extLst>
+              <a:ext uri="{28A0092B-C50C-407E-A947-70E740481C1C}">
+                <a14:useLocalDpi xmlns:a14="http://schemas.microsoft.com/office/drawing/2010/main" val="0"/>
+              </a:ext>
+            </a:extLst>
+          </a:blip>
+          <a:stretch>
+            <a:fillRect/>
+          </a:stretch>
+        </p:blipFill>
+        <p:spPr>
+          <a:xfrm>
+            <a:off x="2242922" y="459087"/>
+            <a:ext cx="4890521" cy="2107206"/>
+          </a:xfrm>
+          <a:prstGeom prst="rect">
+            <a:avLst/>
+          </a:prstGeom>
+        </p:spPr>
+      </p:pic>
+      <p:sp>
+        <p:nvSpPr>
+          <p:cNvPr id="9" name="Down Arrow 8"/>
+          <p:cNvSpPr/>
+          <p:nvPr/>
+        </p:nvSpPr>
+        <p:spPr>
+          <a:xfrm>
+            <a:off x="6191447" y="2580635"/>
+            <a:ext cx="612340" cy="1023016"/>
+          </a:xfrm>
+          <a:prstGeom prst="downArrow">
+            <a:avLst/>
+          </a:prstGeom>
+        </p:spPr>
+        <p:style>
+          <a:lnRef idx="1">
+            <a:schemeClr val="accent1"/>
+          </a:lnRef>
+          <a:fillRef idx="3">
+            <a:schemeClr val="accent1"/>
+          </a:fillRef>
+          <a:effectRef idx="2">
+            <a:schemeClr val="accent1"/>
+          </a:effectRef>
+          <a:fontRef idx="minor">
+            <a:schemeClr val="lt1"/>
+          </a:fontRef>
+        </p:style>
+        <p:txBody>
+          <a:bodyPr rtlCol="0" anchor="ctr"/>
+          <a:lstStyle/>
+          <a:p>
+            <a:pPr algn="ctr"/>
+            <a:endParaRPr lang="en-US"/>
+          </a:p>
+        </p:txBody>
+      </p:sp>
+    </p:spTree>
+    <p:extLst>
+      <p:ext uri="{BB962C8B-B14F-4D97-AF65-F5344CB8AC3E}">
+        <p14:creationId xmlns:p14="http://schemas.microsoft.com/office/powerpoint/2010/main" val="3895170245"/>
+      </p:ext>
+    </p:extLst>
+  </p:cSld>
+  <p:clrMapOvr>
+    <a:masterClrMapping/>
+  </p:clrMapOvr>
+  <p:timing>
+    <p:tnLst>
+      <p:par>
+        <p:cTn xmlns:p14="http://schemas.microsoft.com/office/powerpoint/2010/main" id="1" dur="indefinite" restart="never" nodeType="tmRoot"/>
+      </p:par>
+    </p:tnLst>
+  </p:timing>
+</p:sld>
+</file>
+
+<file path=ppt/slides/slide4.xml><?xml version="1.0" encoding="utf-8"?>
+<p:sld xmlns:a="http://schemas.openxmlformats.org/drawingml/2006/main" xmlns:r="http://schemas.openxmlformats.org/officeDocument/2006/relationships" xmlns:p="http://schemas.openxmlformats.org/presentationml/2006/main">
+  <p:cSld>
+    <p:spTree>
+      <p:nvGrpSpPr>
+        <p:cNvPr id="1" name=""/>
+        <p:cNvGrpSpPr/>
+        <p:nvPr/>
+      </p:nvGrpSpPr>
+      <p:grpSpPr>
+        <a:xfrm>
+          <a:off x="0" y="0"/>
+          <a:ext cx="0" cy="0"/>
+          <a:chOff x="0" y="0"/>
+          <a:chExt cx="0" cy="0"/>
+        </a:xfrm>
+      </p:grpSpPr>
+      <p:pic>
+        <p:nvPicPr>
+          <p:cNvPr id="5" name="Picture 4" descr="屏幕快照 2015-09-16 01.22.06.png"/>
+          <p:cNvPicPr>
+            <a:picLocks noChangeAspect="1"/>
+          </p:cNvPicPr>
+          <p:nvPr/>
+        </p:nvPicPr>
+        <p:blipFill rotWithShape="1">
+          <a:blip r:embed="rId2">
+            <a:extLst>
+              <a:ext uri="{28A0092B-C50C-407E-A947-70E740481C1C}">
+                <a14:useLocalDpi xmlns:a14="http://schemas.microsoft.com/office/drawing/2010/main" val="0"/>
+              </a:ext>
+            </a:extLst>
+          </a:blip>
+          <a:srcRect t="8179"/>
+          <a:stretch/>
+        </p:blipFill>
+        <p:spPr>
+          <a:xfrm>
+            <a:off x="2242921" y="2852134"/>
+            <a:ext cx="4890521" cy="1957815"/>
+          </a:xfrm>
+          <a:prstGeom prst="rect">
+            <a:avLst/>
+          </a:prstGeom>
+        </p:spPr>
+      </p:pic>
+      <p:sp>
+        <p:nvSpPr>
+          <p:cNvPr id="7" name="Rectangle 6"/>
+          <p:cNvSpPr/>
+          <p:nvPr/>
+        </p:nvSpPr>
+        <p:spPr>
+          <a:xfrm>
+            <a:off x="2256587" y="102060"/>
+            <a:ext cx="4876856" cy="396908"/>
+          </a:xfrm>
+          <a:prstGeom prst="rect">
+            <a:avLst/>
+          </a:prstGeom>
+        </p:spPr>
+        <p:style>
+          <a:lnRef idx="2">
+            <a:schemeClr val="dk1">
+              <a:shade val="50000"/>
+            </a:schemeClr>
+          </a:lnRef>
+          <a:fillRef idx="1">
+            <a:schemeClr val="dk1"/>
+          </a:fillRef>
+          <a:effectRef idx="0">
+            <a:schemeClr val="dk1"/>
+          </a:effectRef>
+          <a:fontRef idx="minor">
+            <a:schemeClr val="lt1"/>
+          </a:fontRef>
+        </p:style>
+        <p:txBody>
+          <a:bodyPr rtlCol="0" anchor="ctr"/>
+          <a:lstStyle/>
+          <a:p>
+            <a:r>
+              <a:rPr lang="en-US" sz="1600" dirty="0" smtClean="0"/>
+              <a:t>Regular Advertisements (without our extension)</a:t>
+            </a:r>
+            <a:endParaRPr lang="en-US" sz="1600" dirty="0"/>
+          </a:p>
+        </p:txBody>
+      </p:sp>
+      <p:sp>
+        <p:nvSpPr>
+          <p:cNvPr id="8" name="Rectangle 7"/>
+          <p:cNvSpPr/>
+          <p:nvPr/>
+        </p:nvSpPr>
+        <p:spPr>
+          <a:xfrm>
+            <a:off x="2256586" y="2447402"/>
+            <a:ext cx="4876857" cy="396908"/>
+          </a:xfrm>
+          <a:prstGeom prst="rect">
+            <a:avLst/>
+          </a:prstGeom>
+        </p:spPr>
+        <p:style>
+          <a:lnRef idx="2">
+            <a:schemeClr val="dk1">
+              <a:shade val="50000"/>
+            </a:schemeClr>
+          </a:lnRef>
+          <a:fillRef idx="1">
+            <a:schemeClr val="dk1"/>
+          </a:fillRef>
+          <a:effectRef idx="0">
+            <a:schemeClr val="dk1"/>
+          </a:effectRef>
+          <a:fontRef idx="minor">
+            <a:schemeClr val="lt1"/>
+          </a:fontRef>
+        </p:style>
+        <p:txBody>
+          <a:bodyPr rtlCol="0" anchor="ctr"/>
+          <a:lstStyle/>
+          <a:p>
+            <a:r>
+              <a:rPr lang="en-US" sz="1600" dirty="0" smtClean="0"/>
+              <a:t>Advertisements replaced with Edvertisements</a:t>
+            </a:r>
+            <a:endParaRPr lang="en-US" sz="1600" dirty="0"/>
+          </a:p>
+        </p:txBody>
+      </p:sp>
+      <p:pic>
+        <p:nvPicPr>
+          <p:cNvPr id="4" name="Picture 3" descr="屏幕快照 2015-09-16 01.21.33.png"/>
+          <p:cNvPicPr>
+            <a:picLocks noChangeAspect="1"/>
+          </p:cNvPicPr>
+          <p:nvPr/>
+        </p:nvPicPr>
+        <p:blipFill rotWithShape="1">
+          <a:blip r:embed="rId3">
+            <a:extLst>
+              <a:ext uri="{28A0092B-C50C-407E-A947-70E740481C1C}">
+                <a14:useLocalDpi xmlns:a14="http://schemas.microsoft.com/office/drawing/2010/main" val="0"/>
+              </a:ext>
+            </a:extLst>
+          </a:blip>
+          <a:srcRect t="7853"/>
+          <a:stretch/>
+        </p:blipFill>
+        <p:spPr>
+          <a:xfrm>
+            <a:off x="2242922" y="506579"/>
+            <a:ext cx="4890521" cy="1941734"/>
+          </a:xfrm>
+          <a:prstGeom prst="rect">
+            <a:avLst/>
+          </a:prstGeom>
+        </p:spPr>
+      </p:pic>
+      <p:sp>
+        <p:nvSpPr>
+          <p:cNvPr id="9" name="Down Arrow 8"/>
+          <p:cNvSpPr/>
+          <p:nvPr/>
+        </p:nvSpPr>
+        <p:spPr>
+          <a:xfrm>
+            <a:off x="6191447" y="2469595"/>
+            <a:ext cx="612340" cy="819739"/>
+          </a:xfrm>
+          <a:prstGeom prst="downArrow">
+            <a:avLst/>
+          </a:prstGeom>
+        </p:spPr>
+        <p:style>
+          <a:lnRef idx="1">
+            <a:schemeClr val="accent1"/>
+          </a:lnRef>
+          <a:fillRef idx="3">
+            <a:schemeClr val="accent1"/>
+          </a:fillRef>
+          <a:effectRef idx="2">
+            <a:schemeClr val="accent1"/>
+          </a:effectRef>
+          <a:fontRef idx="minor">
+            <a:schemeClr val="lt1"/>
+          </a:fontRef>
+        </p:style>
+        <p:txBody>
+          <a:bodyPr rtlCol="0" anchor="ctr"/>
+          <a:lstStyle/>
+          <a:p>
+            <a:pPr algn="ctr"/>
+            <a:endParaRPr lang="en-US"/>
+          </a:p>
+        </p:txBody>
+      </p:sp>
+    </p:spTree>
+    <p:extLst>
+      <p:ext uri="{BB962C8B-B14F-4D97-AF65-F5344CB8AC3E}">
+        <p14:creationId xmlns:p14="http://schemas.microsoft.com/office/powerpoint/2010/main" val="109583894"/>
+      </p:ext>
+    </p:extLst>
+  </p:cSld>
+  <p:clrMapOvr>
+    <a:masterClrMapping/>
+  </p:clrMapOvr>
+  <p:timing>
+    <p:tnLst>
+      <p:par>
+        <p:cTn xmlns:p14="http://schemas.microsoft.com/office/powerpoint/2010/main" id="1" dur="indefinite" restart="never" nodeType="tmRoot"/>
+      </p:par>
+    </p:tnLst>
+  </p:timing>
+</p:sld>
+</file>
+
+<file path=ppt/slides/slide5.xml><?xml version="1.0" encoding="utf-8"?>
+<p:sld xmlns:a="http://schemas.openxmlformats.org/drawingml/2006/main" xmlns:r="http://schemas.openxmlformats.org/officeDocument/2006/relationships" xmlns:p="http://schemas.openxmlformats.org/presentationml/2006/main">
+  <p:cSld>
+    <p:spTree>
+      <p:nvGrpSpPr>
+        <p:cNvPr id="1" name=""/>
+        <p:cNvGrpSpPr/>
+        <p:nvPr/>
+      </p:nvGrpSpPr>
+      <p:grpSpPr>
+        <a:xfrm>
+          <a:off x="0" y="0"/>
+          <a:ext cx="0" cy="0"/>
+          <a:chOff x="0" y="0"/>
+          <a:chExt cx="0" cy="0"/>
+        </a:xfrm>
+      </p:grpSpPr>
+      <p:pic>
+        <p:nvPicPr>
+          <p:cNvPr id="5" name="Picture 4" descr="屏幕快照 2015-09-16 01.22.06.png"/>
+          <p:cNvPicPr>
+            <a:picLocks noChangeAspect="1"/>
+          </p:cNvPicPr>
+          <p:nvPr/>
+        </p:nvPicPr>
+        <p:blipFill rotWithShape="1">
+          <a:blip r:embed="rId2">
+            <a:extLst>
+              <a:ext uri="{28A0092B-C50C-407E-A947-70E740481C1C}">
+                <a14:useLocalDpi xmlns:a14="http://schemas.microsoft.com/office/drawing/2010/main" val="0"/>
+              </a:ext>
+            </a:extLst>
+          </a:blip>
+          <a:srcRect t="8179"/>
+          <a:stretch/>
+        </p:blipFill>
+        <p:spPr>
+          <a:xfrm>
+            <a:off x="2242921" y="2852134"/>
+            <a:ext cx="4890521" cy="1957815"/>
+          </a:xfrm>
+          <a:prstGeom prst="rect">
+            <a:avLst/>
+          </a:prstGeom>
+        </p:spPr>
+      </p:pic>
+      <p:sp>
+        <p:nvSpPr>
+          <p:cNvPr id="7" name="Rectangle 6"/>
+          <p:cNvSpPr/>
+          <p:nvPr/>
+        </p:nvSpPr>
+        <p:spPr>
+          <a:xfrm>
+            <a:off x="2256587" y="102060"/>
+            <a:ext cx="4876856" cy="396908"/>
+          </a:xfrm>
+          <a:prstGeom prst="rect">
+            <a:avLst/>
+          </a:prstGeom>
+        </p:spPr>
+        <p:style>
+          <a:lnRef idx="2">
+            <a:schemeClr val="dk1">
+              <a:shade val="50000"/>
+            </a:schemeClr>
+          </a:lnRef>
+          <a:fillRef idx="1">
+            <a:schemeClr val="dk1"/>
+          </a:fillRef>
+          <a:effectRef idx="0">
+            <a:schemeClr val="dk1"/>
+          </a:effectRef>
+          <a:fontRef idx="minor">
+            <a:schemeClr val="lt1"/>
+          </a:fontRef>
+        </p:style>
+        <p:txBody>
+          <a:bodyPr rtlCol="0" anchor="ctr"/>
+          <a:lstStyle/>
+          <a:p>
+            <a:r>
+              <a:rPr lang="en-US" sz="1600" dirty="0" smtClean="0"/>
+              <a:t>Regular Advertisements (without our extension)</a:t>
+            </a:r>
+            <a:endParaRPr lang="en-US" sz="1600" dirty="0"/>
+          </a:p>
+        </p:txBody>
+      </p:sp>
+      <p:pic>
+        <p:nvPicPr>
+          <p:cNvPr id="4" name="Picture 3" descr="屏幕快照 2015-09-16 01.21.33.png"/>
+          <p:cNvPicPr>
+            <a:picLocks noChangeAspect="1"/>
+          </p:cNvPicPr>
+          <p:nvPr/>
+        </p:nvPicPr>
+        <p:blipFill rotWithShape="1">
+          <a:blip r:embed="rId3">
+            <a:extLst>
+              <a:ext uri="{28A0092B-C50C-407E-A947-70E740481C1C}">
+                <a14:useLocalDpi xmlns:a14="http://schemas.microsoft.com/office/drawing/2010/main" val="0"/>
+              </a:ext>
+            </a:extLst>
+          </a:blip>
+          <a:srcRect t="7853"/>
+          <a:stretch/>
+        </p:blipFill>
+        <p:spPr>
+          <a:xfrm>
+            <a:off x="2242922" y="506579"/>
+            <a:ext cx="4890521" cy="1941734"/>
+          </a:xfrm>
+          <a:prstGeom prst="rect">
+            <a:avLst/>
+          </a:prstGeom>
+        </p:spPr>
+      </p:pic>
+      <p:pic>
+        <p:nvPicPr>
+          <p:cNvPr id="10" name="Picture 9" descr="屏幕快照 2015-09-16 01.21.33.png"/>
+          <p:cNvPicPr>
+            <a:picLocks noChangeAspect="1"/>
+          </p:cNvPicPr>
+          <p:nvPr/>
+        </p:nvPicPr>
+        <p:blipFill rotWithShape="1">
+          <a:blip r:embed="rId3">
+            <a:extLst>
+              <a:ext uri="{28A0092B-C50C-407E-A947-70E740481C1C}">
+                <a14:useLocalDpi xmlns:a14="http://schemas.microsoft.com/office/drawing/2010/main" val="0"/>
+              </a:ext>
+            </a:extLst>
+          </a:blip>
+          <a:srcRect t="8182" b="71358"/>
+          <a:stretch/>
+        </p:blipFill>
+        <p:spPr>
+          <a:xfrm>
+            <a:off x="2242921" y="2844310"/>
+            <a:ext cx="4890521" cy="431148"/>
+          </a:xfrm>
+          <a:prstGeom prst="rect">
+            <a:avLst/>
+          </a:prstGeom>
+        </p:spPr>
+      </p:pic>
+      <p:sp>
+        <p:nvSpPr>
+          <p:cNvPr id="8" name="Rectangle 7"/>
+          <p:cNvSpPr/>
+          <p:nvPr/>
+        </p:nvSpPr>
+        <p:spPr>
+          <a:xfrm>
+            <a:off x="2256586" y="2447402"/>
+            <a:ext cx="4876857" cy="396908"/>
+          </a:xfrm>
+          <a:prstGeom prst="rect">
+            <a:avLst/>
+          </a:prstGeom>
+        </p:spPr>
+        <p:style>
+          <a:lnRef idx="2">
+            <a:schemeClr val="dk1">
+              <a:shade val="50000"/>
+            </a:schemeClr>
+          </a:lnRef>
+          <a:fillRef idx="1">
+            <a:schemeClr val="dk1"/>
+          </a:fillRef>
+          <a:effectRef idx="0">
+            <a:schemeClr val="dk1"/>
+          </a:effectRef>
+          <a:fontRef idx="minor">
+            <a:schemeClr val="lt1"/>
+          </a:fontRef>
+        </p:style>
+        <p:txBody>
+          <a:bodyPr rtlCol="0" anchor="ctr"/>
+          <a:lstStyle/>
+          <a:p>
+            <a:r>
+              <a:rPr lang="en-US" sz="1600" dirty="0" smtClean="0"/>
+              <a:t>Advertisements replaced with Edvertisements</a:t>
+            </a:r>
+            <a:endParaRPr lang="en-US" sz="1600" dirty="0"/>
+          </a:p>
+        </p:txBody>
+      </p:sp>
+      <p:sp>
+        <p:nvSpPr>
+          <p:cNvPr id="9" name="Down Arrow 8"/>
+          <p:cNvSpPr/>
+          <p:nvPr/>
+        </p:nvSpPr>
+        <p:spPr>
+          <a:xfrm>
+            <a:off x="6191447" y="2469595"/>
+            <a:ext cx="612340" cy="819739"/>
+          </a:xfrm>
+          <a:prstGeom prst="downArrow">
+            <a:avLst/>
+          </a:prstGeom>
+        </p:spPr>
+        <p:style>
+          <a:lnRef idx="1">
+            <a:schemeClr val="accent1"/>
+          </a:lnRef>
+          <a:fillRef idx="3">
+            <a:schemeClr val="accent1"/>
+          </a:fillRef>
+          <a:effectRef idx="2">
+            <a:schemeClr val="accent1"/>
+          </a:effectRef>
+          <a:fontRef idx="minor">
+            <a:schemeClr val="lt1"/>
+          </a:fontRef>
+        </p:style>
+        <p:txBody>
+          <a:bodyPr rtlCol="0" anchor="ctr"/>
+          <a:lstStyle/>
+          <a:p>
+            <a:pPr algn="ctr"/>
+            <a:endParaRPr lang="en-US"/>
+          </a:p>
+        </p:txBody>
+      </p:sp>
+    </p:spTree>
+    <p:extLst>
+      <p:ext uri="{BB962C8B-B14F-4D97-AF65-F5344CB8AC3E}">
+        <p14:creationId xmlns:p14="http://schemas.microsoft.com/office/powerpoint/2010/main" val="2164215752"/>
       </p:ext>
     </p:extLst>
   </p:cSld>

--- a/edvertisements-figure.pptx
+++ b/edvertisements-figure.pptx
@@ -10,6 +10,7 @@
     <p:sldId id="258" r:id="rId4"/>
     <p:sldId id="259" r:id="rId5"/>
     <p:sldId id="260" r:id="rId6"/>
+    <p:sldId id="261" r:id="rId7"/>
   </p:sldIdLst>
   <p:sldSz cx="9144000" cy="6858000" type="screen4x3"/>
   <p:notesSz cx="6858000" cy="9144000"/>
@@ -4194,6 +4195,216 @@
     <p:extLst>
       <p:ext uri="{BB962C8B-B14F-4D97-AF65-F5344CB8AC3E}">
         <p14:creationId xmlns:p14="http://schemas.microsoft.com/office/powerpoint/2010/main" val="2164215752"/>
+      </p:ext>
+    </p:extLst>
+  </p:cSld>
+  <p:clrMapOvr>
+    <a:masterClrMapping/>
+  </p:clrMapOvr>
+  <p:timing>
+    <p:tnLst>
+      <p:par>
+        <p:cTn xmlns:p14="http://schemas.microsoft.com/office/powerpoint/2010/main" id="1" dur="indefinite" restart="never" nodeType="tmRoot"/>
+      </p:par>
+    </p:tnLst>
+  </p:timing>
+</p:sld>
+</file>
+
+<file path=ppt/slides/slide6.xml><?xml version="1.0" encoding="utf-8"?>
+<p:sld xmlns:a="http://schemas.openxmlformats.org/drawingml/2006/main" xmlns:r="http://schemas.openxmlformats.org/officeDocument/2006/relationships" xmlns:p="http://schemas.openxmlformats.org/presentationml/2006/main">
+  <p:cSld>
+    <p:spTree>
+      <p:nvGrpSpPr>
+        <p:cNvPr id="1" name=""/>
+        <p:cNvGrpSpPr/>
+        <p:nvPr/>
+      </p:nvGrpSpPr>
+      <p:grpSpPr>
+        <a:xfrm>
+          <a:off x="0" y="0"/>
+          <a:ext cx="0" cy="0"/>
+          <a:chOff x="0" y="0"/>
+          <a:chExt cx="0" cy="0"/>
+        </a:xfrm>
+      </p:grpSpPr>
+      <p:pic>
+        <p:nvPicPr>
+          <p:cNvPr id="5" name="Picture 4" descr="屏幕快照 2015-09-16 01.22.06.png"/>
+          <p:cNvPicPr>
+            <a:picLocks noChangeAspect="1"/>
+          </p:cNvPicPr>
+          <p:nvPr/>
+        </p:nvPicPr>
+        <p:blipFill rotWithShape="1">
+          <a:blip r:embed="rId2">
+            <a:extLst>
+              <a:ext uri="{28A0092B-C50C-407E-A947-70E740481C1C}">
+                <a14:useLocalDpi xmlns:a14="http://schemas.microsoft.com/office/drawing/2010/main" val="0"/>
+              </a:ext>
+            </a:extLst>
+          </a:blip>
+          <a:srcRect t="8179"/>
+          <a:stretch/>
+        </p:blipFill>
+        <p:spPr>
+          <a:xfrm>
+            <a:off x="2242921" y="2852134"/>
+            <a:ext cx="4890521" cy="1957815"/>
+          </a:xfrm>
+          <a:prstGeom prst="rect">
+            <a:avLst/>
+          </a:prstGeom>
+        </p:spPr>
+      </p:pic>
+      <p:sp>
+        <p:nvSpPr>
+          <p:cNvPr id="7" name="Rectangle 6"/>
+          <p:cNvSpPr/>
+          <p:nvPr/>
+        </p:nvSpPr>
+        <p:spPr>
+          <a:xfrm>
+            <a:off x="2256587" y="102060"/>
+            <a:ext cx="4876856" cy="396908"/>
+          </a:xfrm>
+          <a:prstGeom prst="rect">
+            <a:avLst/>
+          </a:prstGeom>
+        </p:spPr>
+        <p:style>
+          <a:lnRef idx="2">
+            <a:schemeClr val="dk1">
+              <a:shade val="50000"/>
+            </a:schemeClr>
+          </a:lnRef>
+          <a:fillRef idx="1">
+            <a:schemeClr val="dk1"/>
+          </a:fillRef>
+          <a:effectRef idx="0">
+            <a:schemeClr val="dk1"/>
+          </a:effectRef>
+          <a:fontRef idx="minor">
+            <a:schemeClr val="lt1"/>
+          </a:fontRef>
+        </p:style>
+        <p:txBody>
+          <a:bodyPr rtlCol="0" anchor="ctr"/>
+          <a:lstStyle/>
+          <a:p>
+            <a:r>
+              <a:rPr lang="en-US" sz="1600" dirty="0" smtClean="0"/>
+              <a:t>Regular Advertisements (without our extension)</a:t>
+            </a:r>
+            <a:endParaRPr lang="en-US" sz="1600" dirty="0"/>
+          </a:p>
+        </p:txBody>
+      </p:sp>
+      <p:pic>
+        <p:nvPicPr>
+          <p:cNvPr id="4" name="Picture 3" descr="屏幕快照 2015-09-16 01.21.33.png"/>
+          <p:cNvPicPr>
+            <a:picLocks noChangeAspect="1"/>
+          </p:cNvPicPr>
+          <p:nvPr/>
+        </p:nvPicPr>
+        <p:blipFill rotWithShape="1">
+          <a:blip r:embed="rId3">
+            <a:extLst>
+              <a:ext uri="{28A0092B-C50C-407E-A947-70E740481C1C}">
+                <a14:useLocalDpi xmlns:a14="http://schemas.microsoft.com/office/drawing/2010/main" val="0"/>
+              </a:ext>
+            </a:extLst>
+          </a:blip>
+          <a:srcRect t="7853"/>
+          <a:stretch/>
+        </p:blipFill>
+        <p:spPr>
+          <a:xfrm>
+            <a:off x="2242922" y="506579"/>
+            <a:ext cx="4890521" cy="1941734"/>
+          </a:xfrm>
+          <a:prstGeom prst="rect">
+            <a:avLst/>
+          </a:prstGeom>
+        </p:spPr>
+      </p:pic>
+      <p:pic>
+        <p:nvPicPr>
+          <p:cNvPr id="10" name="Picture 9" descr="屏幕快照 2015-09-16 01.21.33.png"/>
+          <p:cNvPicPr>
+            <a:picLocks noChangeAspect="1"/>
+          </p:cNvPicPr>
+          <p:nvPr/>
+        </p:nvPicPr>
+        <p:blipFill rotWithShape="1">
+          <a:blip r:embed="rId3">
+            <a:extLst>
+              <a:ext uri="{28A0092B-C50C-407E-A947-70E740481C1C}">
+                <a14:useLocalDpi xmlns:a14="http://schemas.microsoft.com/office/drawing/2010/main" val="0"/>
+              </a:ext>
+            </a:extLst>
+          </a:blip>
+          <a:srcRect t="8182" b="71358"/>
+          <a:stretch/>
+        </p:blipFill>
+        <p:spPr>
+          <a:xfrm>
+            <a:off x="2242921" y="2844310"/>
+            <a:ext cx="4890521" cy="431148"/>
+          </a:xfrm>
+          <a:prstGeom prst="rect">
+            <a:avLst/>
+          </a:prstGeom>
+        </p:spPr>
+      </p:pic>
+      <p:sp>
+        <p:nvSpPr>
+          <p:cNvPr id="8" name="Rectangle 7"/>
+          <p:cNvSpPr/>
+          <p:nvPr/>
+        </p:nvSpPr>
+        <p:spPr>
+          <a:xfrm>
+            <a:off x="2256586" y="2447402"/>
+            <a:ext cx="4876857" cy="396908"/>
+          </a:xfrm>
+          <a:prstGeom prst="rect">
+            <a:avLst/>
+          </a:prstGeom>
+        </p:spPr>
+        <p:style>
+          <a:lnRef idx="2">
+            <a:schemeClr val="dk1">
+              <a:shade val="50000"/>
+            </a:schemeClr>
+          </a:lnRef>
+          <a:fillRef idx="1">
+            <a:schemeClr val="dk1"/>
+          </a:fillRef>
+          <a:effectRef idx="0">
+            <a:schemeClr val="dk1"/>
+          </a:effectRef>
+          <a:fontRef idx="minor">
+            <a:schemeClr val="lt1"/>
+          </a:fontRef>
+        </p:style>
+        <p:txBody>
+          <a:bodyPr rtlCol="0" anchor="ctr"/>
+          <a:lstStyle/>
+          <a:p>
+            <a:r>
+              <a:rPr lang="en-US" sz="1600" dirty="0" smtClean="0"/>
+              <a:t>Advertisements replaced with Edvertisements</a:t>
+            </a:r>
+            <a:endParaRPr lang="en-US" sz="1600" dirty="0"/>
+          </a:p>
+        </p:txBody>
+      </p:sp>
+    </p:spTree>
+    <p:extLst>
+      <p:ext uri="{BB962C8B-B14F-4D97-AF65-F5344CB8AC3E}">
+        <p14:creationId xmlns:p14="http://schemas.microsoft.com/office/powerpoint/2010/main" val="2031723813"/>
       </p:ext>
     </p:extLst>
   </p:cSld>
